--- a/source/ArchitectureInDetail/WebApplicationDetail/images_HealthCheck/materialHealthCheck.pptx
+++ b/source/ArchitectureInDetail/WebApplicationDetail/images_HealthCheck/materialHealthCheck.pptx
@@ -107,6 +107,22 @@
       </a:defRPr>
     </a:lvl9pPr>
   </p:defaultTextStyle>
+  <p:extLst>
+    <p:ext uri="{EFAFB233-063F-42B5-8137-9DF3F51BA10A}">
+      <p15:sldGuideLst xmlns:p15="http://schemas.microsoft.com/office/powerpoint/2012/main">
+        <p15:guide id="1" orient="horz" pos="2160">
+          <p15:clr>
+            <a:srgbClr val="A4A3A4"/>
+          </p15:clr>
+        </p15:guide>
+        <p15:guide id="2" pos="2880">
+          <p15:clr>
+            <a:srgbClr val="A4A3A4"/>
+          </p15:clr>
+        </p15:guide>
+      </p15:sldGuideLst>
+    </p:ext>
+  </p:extLst>
 </p:presentation>
 </file>
 
@@ -291,7 +307,7 @@
           <a:p>
             <a:fld id="{E90ED720-0104-4369-84BC-D37694168613}" type="datetimeFigureOut">
               <a:rPr kumimoji="1" lang="ja-JP" altLang="en-US" smtClean="0"/>
-              <a:t>2016/8/25</a:t>
+              <a:t>2018/1/17</a:t>
             </a:fld>
             <a:endParaRPr kumimoji="1" lang="ja-JP" altLang="en-US"/>
           </a:p>
@@ -488,7 +504,7 @@
           <a:p>
             <a:fld id="{E90ED720-0104-4369-84BC-D37694168613}" type="datetimeFigureOut">
               <a:rPr kumimoji="1" lang="ja-JP" altLang="en-US" smtClean="0"/>
-              <a:t>2016/8/25</a:t>
+              <a:t>2018/1/17</a:t>
             </a:fld>
             <a:endParaRPr kumimoji="1" lang="ja-JP" altLang="en-US"/>
           </a:p>
@@ -695,7 +711,7 @@
           <a:p>
             <a:fld id="{E90ED720-0104-4369-84BC-D37694168613}" type="datetimeFigureOut">
               <a:rPr kumimoji="1" lang="ja-JP" altLang="en-US" smtClean="0"/>
-              <a:t>2016/8/25</a:t>
+              <a:t>2018/1/17</a:t>
             </a:fld>
             <a:endParaRPr kumimoji="1" lang="ja-JP" altLang="en-US"/>
           </a:p>
@@ -892,7 +908,7 @@
           <a:p>
             <a:fld id="{E90ED720-0104-4369-84BC-D37694168613}" type="datetimeFigureOut">
               <a:rPr kumimoji="1" lang="ja-JP" altLang="en-US" smtClean="0"/>
-              <a:t>2016/8/25</a:t>
+              <a:t>2018/1/17</a:t>
             </a:fld>
             <a:endParaRPr kumimoji="1" lang="ja-JP" altLang="en-US"/>
           </a:p>
@@ -1133,7 +1149,7 @@
           <a:p>
             <a:fld id="{E90ED720-0104-4369-84BC-D37694168613}" type="datetimeFigureOut">
               <a:rPr kumimoji="1" lang="ja-JP" altLang="en-US" smtClean="0"/>
-              <a:t>2016/8/25</a:t>
+              <a:t>2018/1/17</a:t>
             </a:fld>
             <a:endParaRPr kumimoji="1" lang="ja-JP" altLang="en-US"/>
           </a:p>
@@ -1480,7 +1496,7 @@
           <a:p>
             <a:fld id="{E90ED720-0104-4369-84BC-D37694168613}" type="datetimeFigureOut">
               <a:rPr kumimoji="1" lang="ja-JP" altLang="en-US" smtClean="0"/>
-              <a:t>2016/8/25</a:t>
+              <a:t>2018/1/17</a:t>
             </a:fld>
             <a:endParaRPr kumimoji="1" lang="ja-JP" altLang="en-US"/>
           </a:p>
@@ -1961,7 +1977,7 @@
           <a:p>
             <a:fld id="{E90ED720-0104-4369-84BC-D37694168613}" type="datetimeFigureOut">
               <a:rPr kumimoji="1" lang="ja-JP" altLang="en-US" smtClean="0"/>
-              <a:t>2016/8/25</a:t>
+              <a:t>2018/1/17</a:t>
             </a:fld>
             <a:endParaRPr kumimoji="1" lang="ja-JP" altLang="en-US"/>
           </a:p>
@@ -2074,7 +2090,7 @@
           <a:p>
             <a:fld id="{E90ED720-0104-4369-84BC-D37694168613}" type="datetimeFigureOut">
               <a:rPr kumimoji="1" lang="ja-JP" altLang="en-US" smtClean="0"/>
-              <a:t>2016/8/25</a:t>
+              <a:t>2018/1/17</a:t>
             </a:fld>
             <a:endParaRPr kumimoji="1" lang="ja-JP" altLang="en-US"/>
           </a:p>
@@ -2164,7 +2180,7 @@
           <a:p>
             <a:fld id="{E90ED720-0104-4369-84BC-D37694168613}" type="datetimeFigureOut">
               <a:rPr kumimoji="1" lang="ja-JP" altLang="en-US" smtClean="0"/>
-              <a:t>2016/8/25</a:t>
+              <a:t>2018/1/17</a:t>
             </a:fld>
             <a:endParaRPr kumimoji="1" lang="ja-JP" altLang="en-US"/>
           </a:p>
@@ -2468,7 +2484,7 @@
           <a:p>
             <a:fld id="{E90ED720-0104-4369-84BC-D37694168613}" type="datetimeFigureOut">
               <a:rPr kumimoji="1" lang="ja-JP" altLang="en-US" smtClean="0"/>
-              <a:t>2016/8/25</a:t>
+              <a:t>2018/1/17</a:t>
             </a:fld>
             <a:endParaRPr kumimoji="1" lang="ja-JP" altLang="en-US"/>
           </a:p>
@@ -2716,7 +2732,7 @@
           <a:p>
             <a:fld id="{E90ED720-0104-4369-84BC-D37694168613}" type="datetimeFigureOut">
               <a:rPr kumimoji="1" lang="ja-JP" altLang="en-US" smtClean="0"/>
-              <a:t>2016/8/25</a:t>
+              <a:t>2018/1/17</a:t>
             </a:fld>
             <a:endParaRPr kumimoji="1" lang="ja-JP" altLang="en-US"/>
           </a:p>
@@ -2956,7 +2972,7 @@
           <a:p>
             <a:fld id="{E90ED720-0104-4369-84BC-D37694168613}" type="datetimeFigureOut">
               <a:rPr kumimoji="1" lang="ja-JP" altLang="en-US" smtClean="0"/>
-              <a:t>2016/8/25</a:t>
+              <a:t>2018/1/17</a:t>
             </a:fld>
             <a:endParaRPr kumimoji="1" lang="ja-JP" altLang="en-US"/>
           </a:p>
@@ -5540,7 +5556,7 @@
         <p:spPr>
           <a:xfrm>
             <a:off x="1475200" y="2564904"/>
-            <a:ext cx="1089529" cy="646331"/>
+            <a:ext cx="1310936" cy="646331"/>
           </a:xfrm>
           <a:prstGeom prst="rect">
             <a:avLst/>
@@ -5560,14 +5576,18 @@
           </a:p>
           <a:p>
             <a:r>
-              <a:rPr lang="ja-JP" altLang="en-US" dirty="0" smtClean="0"/>
-              <a:t>　</a:t>
-            </a:r>
-            <a:r>
               <a:rPr lang="en-US" altLang="ja-JP" dirty="0" smtClean="0"/>
-              <a:t>(JSP)</a:t>
-            </a:r>
-            <a:endParaRPr kumimoji="1" lang="ja-JP" altLang="en-US" dirty="0"/>
+              <a:t>(</a:t>
+            </a:r>
+            <a:r>
+              <a:rPr lang="en-US" altLang="ja-JP" dirty="0" err="1" smtClean="0"/>
+              <a:t>Thymeleaf</a:t>
+            </a:r>
+            <a:r>
+              <a:rPr lang="en-US" altLang="ja-JP" dirty="0" smtClean="0"/>
+              <a:t>)</a:t>
+            </a:r>
+            <a:endParaRPr kumimoji="1" lang="en-US" altLang="ja-JP" dirty="0" smtClean="0"/>
           </a:p>
         </p:txBody>
       </p:sp>
@@ -5654,7 +5674,7 @@
           <a:lstStyle/>
           <a:p>
             <a:r>
-              <a:rPr kumimoji="1" lang="en-US" altLang="ja-JP" smtClean="0"/>
+              <a:rPr kumimoji="1" lang="en-US" altLang="ja-JP" dirty="0" smtClean="0"/>
               <a:t>(3)</a:t>
             </a:r>
             <a:endParaRPr kumimoji="1" lang="ja-JP" altLang="en-US" dirty="0"/>
@@ -5795,11 +5815,7 @@
           <a:p>
             <a:r>
               <a:rPr kumimoji="1" lang="en-US" altLang="ja-JP" dirty="0" smtClean="0"/>
-              <a:t>ICMP </a:t>
-            </a:r>
-            <a:r>
-              <a:rPr kumimoji="1" lang="en-US" altLang="ja-JP" dirty="0" smtClean="0"/>
-              <a:t>Echo Request</a:t>
+              <a:t>ICMP Echo Request</a:t>
             </a:r>
             <a:endParaRPr kumimoji="1" lang="ja-JP" altLang="en-US" dirty="0"/>
           </a:p>
